--- a/ppt 16-9/0788.人的生命只有.pptx
+++ b/ppt 16-9/0788.人的生命只有.pptx
@@ -129,7 +129,7 @@
           <p:cNvPr id="2" name="标题 1">
             <a:extLst>
               <a:ext uri="{FF2B5EF4-FFF2-40B4-BE49-F238E27FC236}">
-                <a16:creationId xmlns:a16="http://schemas.microsoft.com/office/drawing/2014/main" id="{9B7832D0-1BE5-B46D-E1FF-3691F3F527E3}"/>
+                <a16:creationId xmlns:a16="http://schemas.microsoft.com/office/drawing/2014/main" id="{81AFCDE7-81F7-B7EC-4DAC-661A7C6B9205}"/>
               </a:ext>
             </a:extLst>
           </p:cNvPr>
@@ -166,7 +166,7 @@
           <p:cNvPr id="3" name="副标题 2">
             <a:extLst>
               <a:ext uri="{FF2B5EF4-FFF2-40B4-BE49-F238E27FC236}">
-                <a16:creationId xmlns:a16="http://schemas.microsoft.com/office/drawing/2014/main" id="{F1475F35-9171-3376-38ED-CC5F92D34781}"/>
+                <a16:creationId xmlns:a16="http://schemas.microsoft.com/office/drawing/2014/main" id="{437952C7-01DB-092C-D596-3AF147425B16}"/>
               </a:ext>
             </a:extLst>
           </p:cNvPr>
@@ -236,7 +236,7 @@
           <p:cNvPr id="4" name="日期占位符 3">
             <a:extLst>
               <a:ext uri="{FF2B5EF4-FFF2-40B4-BE49-F238E27FC236}">
-                <a16:creationId xmlns:a16="http://schemas.microsoft.com/office/drawing/2014/main" id="{5A507931-3E91-0F8A-B9E8-E35BDE0E6048}"/>
+                <a16:creationId xmlns:a16="http://schemas.microsoft.com/office/drawing/2014/main" id="{C4532E53-CEAD-D090-C70F-A7661F969ED2}"/>
               </a:ext>
             </a:extLst>
           </p:cNvPr>
@@ -252,7 +252,7 @@
           <a:bodyPr/>
           <a:lstStyle/>
           <a:p>
-            <a:fld id="{B9351C00-4341-43A5-B6FB-8E78D83FDD69}" type="datetimeFigureOut">
+            <a:fld id="{150F13B4-6C79-4086-BA25-D2526B75F5B8}" type="datetimeFigureOut">
               <a:rPr lang="zh-CN" altLang="en-US" smtClean="0"/>
               <a:t>2024/3/10</a:t>
             </a:fld>
@@ -265,7 +265,7 @@
           <p:cNvPr id="5" name="页脚占位符 4">
             <a:extLst>
               <a:ext uri="{FF2B5EF4-FFF2-40B4-BE49-F238E27FC236}">
-                <a16:creationId xmlns:a16="http://schemas.microsoft.com/office/drawing/2014/main" id="{1F3C660A-A7E1-DA7D-469E-657D0D9C9922}"/>
+                <a16:creationId xmlns:a16="http://schemas.microsoft.com/office/drawing/2014/main" id="{727C2067-7D70-10FE-7BCA-87E2D7341523}"/>
               </a:ext>
             </a:extLst>
           </p:cNvPr>
@@ -290,7 +290,7 @@
           <p:cNvPr id="6" name="灯片编号占位符 5">
             <a:extLst>
               <a:ext uri="{FF2B5EF4-FFF2-40B4-BE49-F238E27FC236}">
-                <a16:creationId xmlns:a16="http://schemas.microsoft.com/office/drawing/2014/main" id="{91DDDC55-7CE8-44B5-95B4-28615AB5C257}"/>
+                <a16:creationId xmlns:a16="http://schemas.microsoft.com/office/drawing/2014/main" id="{C5A6B42B-1EEB-2DF2-264E-BF1340B498F9}"/>
               </a:ext>
             </a:extLst>
           </p:cNvPr>
@@ -306,7 +306,7 @@
           <a:bodyPr/>
           <a:lstStyle/>
           <a:p>
-            <a:fld id="{5EAF7232-B129-426A-B7A3-A918E34D6520}" type="slidenum">
+            <a:fld id="{8963AFB0-3003-4207-BA93-85250630B4F7}" type="slidenum">
               <a:rPr lang="zh-CN" altLang="en-US" smtClean="0"/>
               <a:t>‹#›</a:t>
             </a:fld>
@@ -317,7 +317,7 @@
     </p:spTree>
     <p:extLst>
       <p:ext uri="{BB962C8B-B14F-4D97-AF65-F5344CB8AC3E}">
-        <p14:creationId xmlns:p14="http://schemas.microsoft.com/office/powerpoint/2010/main" val="4180881325"/>
+        <p14:creationId xmlns:p14="http://schemas.microsoft.com/office/powerpoint/2010/main" val="3620834946"/>
       </p:ext>
     </p:extLst>
   </p:cSld>
@@ -349,7 +349,7 @@
           <p:cNvPr id="2" name="标题 1">
             <a:extLst>
               <a:ext uri="{FF2B5EF4-FFF2-40B4-BE49-F238E27FC236}">
-                <a16:creationId xmlns:a16="http://schemas.microsoft.com/office/drawing/2014/main" id="{18C9404D-218B-A1D1-81E3-F4389527A221}"/>
+                <a16:creationId xmlns:a16="http://schemas.microsoft.com/office/drawing/2014/main" id="{664A7D01-0A52-4578-84CF-A3FDB8076DCF}"/>
               </a:ext>
             </a:extLst>
           </p:cNvPr>
@@ -377,7 +377,7 @@
           <p:cNvPr id="3" name="竖排文字占位符 2">
             <a:extLst>
               <a:ext uri="{FF2B5EF4-FFF2-40B4-BE49-F238E27FC236}">
-                <a16:creationId xmlns:a16="http://schemas.microsoft.com/office/drawing/2014/main" id="{9D24D03A-C78F-8B7F-9FA2-2B7C38F2771C}"/>
+                <a16:creationId xmlns:a16="http://schemas.microsoft.com/office/drawing/2014/main" id="{5F649400-4DB3-C4F2-9B2C-6627B00BD6F3}"/>
               </a:ext>
             </a:extLst>
           </p:cNvPr>
@@ -434,7 +434,7 @@
           <p:cNvPr id="4" name="日期占位符 3">
             <a:extLst>
               <a:ext uri="{FF2B5EF4-FFF2-40B4-BE49-F238E27FC236}">
-                <a16:creationId xmlns:a16="http://schemas.microsoft.com/office/drawing/2014/main" id="{8BF1C729-45C9-D3F9-1717-DB39E254F045}"/>
+                <a16:creationId xmlns:a16="http://schemas.microsoft.com/office/drawing/2014/main" id="{56FDFCF7-EFA6-8D8E-E2C0-F304FB5E1E9A}"/>
               </a:ext>
             </a:extLst>
           </p:cNvPr>
@@ -450,7 +450,7 @@
           <a:bodyPr/>
           <a:lstStyle/>
           <a:p>
-            <a:fld id="{B9351C00-4341-43A5-B6FB-8E78D83FDD69}" type="datetimeFigureOut">
+            <a:fld id="{150F13B4-6C79-4086-BA25-D2526B75F5B8}" type="datetimeFigureOut">
               <a:rPr lang="zh-CN" altLang="en-US" smtClean="0"/>
               <a:t>2024/3/10</a:t>
             </a:fld>
@@ -463,7 +463,7 @@
           <p:cNvPr id="5" name="页脚占位符 4">
             <a:extLst>
               <a:ext uri="{FF2B5EF4-FFF2-40B4-BE49-F238E27FC236}">
-                <a16:creationId xmlns:a16="http://schemas.microsoft.com/office/drawing/2014/main" id="{A0DF9A65-A624-A43A-4EC1-A22824152178}"/>
+                <a16:creationId xmlns:a16="http://schemas.microsoft.com/office/drawing/2014/main" id="{4E6E7E03-F1E3-9E4A-BFDF-3ADF5C554599}"/>
               </a:ext>
             </a:extLst>
           </p:cNvPr>
@@ -488,7 +488,7 @@
           <p:cNvPr id="6" name="灯片编号占位符 5">
             <a:extLst>
               <a:ext uri="{FF2B5EF4-FFF2-40B4-BE49-F238E27FC236}">
-                <a16:creationId xmlns:a16="http://schemas.microsoft.com/office/drawing/2014/main" id="{940CB707-C20E-1627-0326-2A13C7E6F816}"/>
+                <a16:creationId xmlns:a16="http://schemas.microsoft.com/office/drawing/2014/main" id="{E5FC1F17-E2A5-00A2-5ADA-C72E0F7B8A18}"/>
               </a:ext>
             </a:extLst>
           </p:cNvPr>
@@ -504,7 +504,7 @@
           <a:bodyPr/>
           <a:lstStyle/>
           <a:p>
-            <a:fld id="{5EAF7232-B129-426A-B7A3-A918E34D6520}" type="slidenum">
+            <a:fld id="{8963AFB0-3003-4207-BA93-85250630B4F7}" type="slidenum">
               <a:rPr lang="zh-CN" altLang="en-US" smtClean="0"/>
               <a:t>‹#›</a:t>
             </a:fld>
@@ -515,7 +515,7 @@
     </p:spTree>
     <p:extLst>
       <p:ext uri="{BB962C8B-B14F-4D97-AF65-F5344CB8AC3E}">
-        <p14:creationId xmlns:p14="http://schemas.microsoft.com/office/powerpoint/2010/main" val="3115913109"/>
+        <p14:creationId xmlns:p14="http://schemas.microsoft.com/office/powerpoint/2010/main" val="1062326764"/>
       </p:ext>
     </p:extLst>
   </p:cSld>
@@ -547,7 +547,7 @@
           <p:cNvPr id="2" name="竖排标题 1">
             <a:extLst>
               <a:ext uri="{FF2B5EF4-FFF2-40B4-BE49-F238E27FC236}">
-                <a16:creationId xmlns:a16="http://schemas.microsoft.com/office/drawing/2014/main" id="{3FCEA8C9-1ACF-B3C8-F5EE-260F271CC09C}"/>
+                <a16:creationId xmlns:a16="http://schemas.microsoft.com/office/drawing/2014/main" id="{8AEC4E58-7525-3FB0-31A6-1599BA34F91E}"/>
               </a:ext>
             </a:extLst>
           </p:cNvPr>
@@ -580,7 +580,7 @@
           <p:cNvPr id="3" name="竖排文字占位符 2">
             <a:extLst>
               <a:ext uri="{FF2B5EF4-FFF2-40B4-BE49-F238E27FC236}">
-                <a16:creationId xmlns:a16="http://schemas.microsoft.com/office/drawing/2014/main" id="{8ECAC7B4-39CB-89D1-0392-E4769D9BE8D4}"/>
+                <a16:creationId xmlns:a16="http://schemas.microsoft.com/office/drawing/2014/main" id="{0BA086D9-D9E7-0967-3BC3-9FD94C3A03A2}"/>
               </a:ext>
             </a:extLst>
           </p:cNvPr>
@@ -642,7 +642,7 @@
           <p:cNvPr id="4" name="日期占位符 3">
             <a:extLst>
               <a:ext uri="{FF2B5EF4-FFF2-40B4-BE49-F238E27FC236}">
-                <a16:creationId xmlns:a16="http://schemas.microsoft.com/office/drawing/2014/main" id="{8D699F58-4DF4-B0B8-C708-C97750859E3F}"/>
+                <a16:creationId xmlns:a16="http://schemas.microsoft.com/office/drawing/2014/main" id="{5884EF98-12AC-C787-216B-1CDF8AC06532}"/>
               </a:ext>
             </a:extLst>
           </p:cNvPr>
@@ -658,7 +658,7 @@
           <a:bodyPr/>
           <a:lstStyle/>
           <a:p>
-            <a:fld id="{B9351C00-4341-43A5-B6FB-8E78D83FDD69}" type="datetimeFigureOut">
+            <a:fld id="{150F13B4-6C79-4086-BA25-D2526B75F5B8}" type="datetimeFigureOut">
               <a:rPr lang="zh-CN" altLang="en-US" smtClean="0"/>
               <a:t>2024/3/10</a:t>
             </a:fld>
@@ -671,7 +671,7 @@
           <p:cNvPr id="5" name="页脚占位符 4">
             <a:extLst>
               <a:ext uri="{FF2B5EF4-FFF2-40B4-BE49-F238E27FC236}">
-                <a16:creationId xmlns:a16="http://schemas.microsoft.com/office/drawing/2014/main" id="{4B1DFA73-7830-0197-1383-2FD105EAE0CD}"/>
+                <a16:creationId xmlns:a16="http://schemas.microsoft.com/office/drawing/2014/main" id="{733F168B-3338-BAEC-94A7-95D7E57B5749}"/>
               </a:ext>
             </a:extLst>
           </p:cNvPr>
@@ -696,7 +696,7 @@
           <p:cNvPr id="6" name="灯片编号占位符 5">
             <a:extLst>
               <a:ext uri="{FF2B5EF4-FFF2-40B4-BE49-F238E27FC236}">
-                <a16:creationId xmlns:a16="http://schemas.microsoft.com/office/drawing/2014/main" id="{3EB10DF7-A915-58C5-7C55-B21E75C38AC1}"/>
+                <a16:creationId xmlns:a16="http://schemas.microsoft.com/office/drawing/2014/main" id="{D95073E2-1738-C5C8-0892-EF1660204CB0}"/>
               </a:ext>
             </a:extLst>
           </p:cNvPr>
@@ -712,7 +712,7 @@
           <a:bodyPr/>
           <a:lstStyle/>
           <a:p>
-            <a:fld id="{5EAF7232-B129-426A-B7A3-A918E34D6520}" type="slidenum">
+            <a:fld id="{8963AFB0-3003-4207-BA93-85250630B4F7}" type="slidenum">
               <a:rPr lang="zh-CN" altLang="en-US" smtClean="0"/>
               <a:t>‹#›</a:t>
             </a:fld>
@@ -723,7 +723,7 @@
     </p:spTree>
     <p:extLst>
       <p:ext uri="{BB962C8B-B14F-4D97-AF65-F5344CB8AC3E}">
-        <p14:creationId xmlns:p14="http://schemas.microsoft.com/office/powerpoint/2010/main" val="3492282250"/>
+        <p14:creationId xmlns:p14="http://schemas.microsoft.com/office/powerpoint/2010/main" val="860631824"/>
       </p:ext>
     </p:extLst>
   </p:cSld>
@@ -755,7 +755,7 @@
           <p:cNvPr id="2" name="标题 1">
             <a:extLst>
               <a:ext uri="{FF2B5EF4-FFF2-40B4-BE49-F238E27FC236}">
-                <a16:creationId xmlns:a16="http://schemas.microsoft.com/office/drawing/2014/main" id="{3499D3E6-D024-7B96-DCC7-0F9385FF8987}"/>
+                <a16:creationId xmlns:a16="http://schemas.microsoft.com/office/drawing/2014/main" id="{B820CA2C-6F11-D41A-8C86-25226A9F6DEC}"/>
               </a:ext>
             </a:extLst>
           </p:cNvPr>
@@ -783,7 +783,7 @@
           <p:cNvPr id="3" name="内容占位符 2">
             <a:extLst>
               <a:ext uri="{FF2B5EF4-FFF2-40B4-BE49-F238E27FC236}">
-                <a16:creationId xmlns:a16="http://schemas.microsoft.com/office/drawing/2014/main" id="{6DA3D1F8-DD26-4C16-E42D-6393913BFFB6}"/>
+                <a16:creationId xmlns:a16="http://schemas.microsoft.com/office/drawing/2014/main" id="{C4367F46-0530-2EDE-81F4-E5C5A9BBE1E3}"/>
               </a:ext>
             </a:extLst>
           </p:cNvPr>
@@ -840,7 +840,7 @@
           <p:cNvPr id="4" name="日期占位符 3">
             <a:extLst>
               <a:ext uri="{FF2B5EF4-FFF2-40B4-BE49-F238E27FC236}">
-                <a16:creationId xmlns:a16="http://schemas.microsoft.com/office/drawing/2014/main" id="{4551CA68-BD88-0161-65D9-76B8587D63FE}"/>
+                <a16:creationId xmlns:a16="http://schemas.microsoft.com/office/drawing/2014/main" id="{FACDF8B8-0227-6807-A85C-113AC99618C9}"/>
               </a:ext>
             </a:extLst>
           </p:cNvPr>
@@ -856,7 +856,7 @@
           <a:bodyPr/>
           <a:lstStyle/>
           <a:p>
-            <a:fld id="{B9351C00-4341-43A5-B6FB-8E78D83FDD69}" type="datetimeFigureOut">
+            <a:fld id="{150F13B4-6C79-4086-BA25-D2526B75F5B8}" type="datetimeFigureOut">
               <a:rPr lang="zh-CN" altLang="en-US" smtClean="0"/>
               <a:t>2024/3/10</a:t>
             </a:fld>
@@ -869,7 +869,7 @@
           <p:cNvPr id="5" name="页脚占位符 4">
             <a:extLst>
               <a:ext uri="{FF2B5EF4-FFF2-40B4-BE49-F238E27FC236}">
-                <a16:creationId xmlns:a16="http://schemas.microsoft.com/office/drawing/2014/main" id="{FA7B0C58-938B-064F-39B9-1B2108481692}"/>
+                <a16:creationId xmlns:a16="http://schemas.microsoft.com/office/drawing/2014/main" id="{43F9EBAC-BF10-29DA-621D-6731D296BD8E}"/>
               </a:ext>
             </a:extLst>
           </p:cNvPr>
@@ -894,7 +894,7 @@
           <p:cNvPr id="6" name="灯片编号占位符 5">
             <a:extLst>
               <a:ext uri="{FF2B5EF4-FFF2-40B4-BE49-F238E27FC236}">
-                <a16:creationId xmlns:a16="http://schemas.microsoft.com/office/drawing/2014/main" id="{A51FF318-F54F-0FEA-1379-1EF2129104F1}"/>
+                <a16:creationId xmlns:a16="http://schemas.microsoft.com/office/drawing/2014/main" id="{3F7B542A-CC77-E3F7-7B00-EED82C0342D8}"/>
               </a:ext>
             </a:extLst>
           </p:cNvPr>
@@ -910,7 +910,7 @@
           <a:bodyPr/>
           <a:lstStyle/>
           <a:p>
-            <a:fld id="{5EAF7232-B129-426A-B7A3-A918E34D6520}" type="slidenum">
+            <a:fld id="{8963AFB0-3003-4207-BA93-85250630B4F7}" type="slidenum">
               <a:rPr lang="zh-CN" altLang="en-US" smtClean="0"/>
               <a:t>‹#›</a:t>
             </a:fld>
@@ -921,7 +921,7 @@
     </p:spTree>
     <p:extLst>
       <p:ext uri="{BB962C8B-B14F-4D97-AF65-F5344CB8AC3E}">
-        <p14:creationId xmlns:p14="http://schemas.microsoft.com/office/powerpoint/2010/main" val="1403244638"/>
+        <p14:creationId xmlns:p14="http://schemas.microsoft.com/office/powerpoint/2010/main" val="2489049155"/>
       </p:ext>
     </p:extLst>
   </p:cSld>
@@ -953,7 +953,7 @@
           <p:cNvPr id="2" name="标题 1">
             <a:extLst>
               <a:ext uri="{FF2B5EF4-FFF2-40B4-BE49-F238E27FC236}">
-                <a16:creationId xmlns:a16="http://schemas.microsoft.com/office/drawing/2014/main" id="{61445ACF-2DF8-67F9-2762-864DFBF73E65}"/>
+                <a16:creationId xmlns:a16="http://schemas.microsoft.com/office/drawing/2014/main" id="{69D95E14-220F-C829-192B-FC682CFA4C0C}"/>
               </a:ext>
             </a:extLst>
           </p:cNvPr>
@@ -990,7 +990,7 @@
           <p:cNvPr id="3" name="文本占位符 2">
             <a:extLst>
               <a:ext uri="{FF2B5EF4-FFF2-40B4-BE49-F238E27FC236}">
-                <a16:creationId xmlns:a16="http://schemas.microsoft.com/office/drawing/2014/main" id="{37FAA3A3-D519-8987-376A-2A733D756C79}"/>
+                <a16:creationId xmlns:a16="http://schemas.microsoft.com/office/drawing/2014/main" id="{E013B8C5-4DDD-2EE7-0BD8-F1BB0B792C10}"/>
               </a:ext>
             </a:extLst>
           </p:cNvPr>
@@ -1115,7 +1115,7 @@
           <p:cNvPr id="4" name="日期占位符 3">
             <a:extLst>
               <a:ext uri="{FF2B5EF4-FFF2-40B4-BE49-F238E27FC236}">
-                <a16:creationId xmlns:a16="http://schemas.microsoft.com/office/drawing/2014/main" id="{0A8FB551-77FB-86A2-1542-B55E5F42D3EC}"/>
+                <a16:creationId xmlns:a16="http://schemas.microsoft.com/office/drawing/2014/main" id="{F76821C4-FD11-AEDF-48E1-BEA84A12B5ED}"/>
               </a:ext>
             </a:extLst>
           </p:cNvPr>
@@ -1131,7 +1131,7 @@
           <a:bodyPr/>
           <a:lstStyle/>
           <a:p>
-            <a:fld id="{B9351C00-4341-43A5-B6FB-8E78D83FDD69}" type="datetimeFigureOut">
+            <a:fld id="{150F13B4-6C79-4086-BA25-D2526B75F5B8}" type="datetimeFigureOut">
               <a:rPr lang="zh-CN" altLang="en-US" smtClean="0"/>
               <a:t>2024/3/10</a:t>
             </a:fld>
@@ -1144,7 +1144,7 @@
           <p:cNvPr id="5" name="页脚占位符 4">
             <a:extLst>
               <a:ext uri="{FF2B5EF4-FFF2-40B4-BE49-F238E27FC236}">
-                <a16:creationId xmlns:a16="http://schemas.microsoft.com/office/drawing/2014/main" id="{406BB242-462D-7211-1C45-D6F9354A9887}"/>
+                <a16:creationId xmlns:a16="http://schemas.microsoft.com/office/drawing/2014/main" id="{6DDA788C-5FE5-AF1A-4CFF-D1A0AEC2AF23}"/>
               </a:ext>
             </a:extLst>
           </p:cNvPr>
@@ -1169,7 +1169,7 @@
           <p:cNvPr id="6" name="灯片编号占位符 5">
             <a:extLst>
               <a:ext uri="{FF2B5EF4-FFF2-40B4-BE49-F238E27FC236}">
-                <a16:creationId xmlns:a16="http://schemas.microsoft.com/office/drawing/2014/main" id="{D335C971-A2CB-76D5-8979-78163E2F2AD4}"/>
+                <a16:creationId xmlns:a16="http://schemas.microsoft.com/office/drawing/2014/main" id="{DC468AEF-20CD-5CBE-19A4-84DACAD338DD}"/>
               </a:ext>
             </a:extLst>
           </p:cNvPr>
@@ -1185,7 +1185,7 @@
           <a:bodyPr/>
           <a:lstStyle/>
           <a:p>
-            <a:fld id="{5EAF7232-B129-426A-B7A3-A918E34D6520}" type="slidenum">
+            <a:fld id="{8963AFB0-3003-4207-BA93-85250630B4F7}" type="slidenum">
               <a:rPr lang="zh-CN" altLang="en-US" smtClean="0"/>
               <a:t>‹#›</a:t>
             </a:fld>
@@ -1196,7 +1196,7 @@
     </p:spTree>
     <p:extLst>
       <p:ext uri="{BB962C8B-B14F-4D97-AF65-F5344CB8AC3E}">
-        <p14:creationId xmlns:p14="http://schemas.microsoft.com/office/powerpoint/2010/main" val="350276649"/>
+        <p14:creationId xmlns:p14="http://schemas.microsoft.com/office/powerpoint/2010/main" val="879759727"/>
       </p:ext>
     </p:extLst>
   </p:cSld>
@@ -1228,7 +1228,7 @@
           <p:cNvPr id="2" name="标题 1">
             <a:extLst>
               <a:ext uri="{FF2B5EF4-FFF2-40B4-BE49-F238E27FC236}">
-                <a16:creationId xmlns:a16="http://schemas.microsoft.com/office/drawing/2014/main" id="{06C71C70-542C-0457-D2E9-512BF7C7DEFD}"/>
+                <a16:creationId xmlns:a16="http://schemas.microsoft.com/office/drawing/2014/main" id="{9DB11432-5325-9245-3EBC-CF71C159F7C9}"/>
               </a:ext>
             </a:extLst>
           </p:cNvPr>
@@ -1256,7 +1256,7 @@
           <p:cNvPr id="3" name="内容占位符 2">
             <a:extLst>
               <a:ext uri="{FF2B5EF4-FFF2-40B4-BE49-F238E27FC236}">
-                <a16:creationId xmlns:a16="http://schemas.microsoft.com/office/drawing/2014/main" id="{9B8962C2-EC81-C6A4-F223-AC12B40A7811}"/>
+                <a16:creationId xmlns:a16="http://schemas.microsoft.com/office/drawing/2014/main" id="{171EA3F6-E42E-1D42-9706-89CFF0D47D0A}"/>
               </a:ext>
             </a:extLst>
           </p:cNvPr>
@@ -1318,7 +1318,7 @@
           <p:cNvPr id="4" name="内容占位符 3">
             <a:extLst>
               <a:ext uri="{FF2B5EF4-FFF2-40B4-BE49-F238E27FC236}">
-                <a16:creationId xmlns:a16="http://schemas.microsoft.com/office/drawing/2014/main" id="{A2A3AAD4-8B4C-497B-6E59-9DBF89D2934F}"/>
+                <a16:creationId xmlns:a16="http://schemas.microsoft.com/office/drawing/2014/main" id="{E2565F23-6966-C0F9-512B-B7FD07CA0907}"/>
               </a:ext>
             </a:extLst>
           </p:cNvPr>
@@ -1380,7 +1380,7 @@
           <p:cNvPr id="5" name="日期占位符 4">
             <a:extLst>
               <a:ext uri="{FF2B5EF4-FFF2-40B4-BE49-F238E27FC236}">
-                <a16:creationId xmlns:a16="http://schemas.microsoft.com/office/drawing/2014/main" id="{660C1767-49DC-8983-C016-20E69486CCDC}"/>
+                <a16:creationId xmlns:a16="http://schemas.microsoft.com/office/drawing/2014/main" id="{F284898B-DB0D-D0A4-F923-50EE92DCBB1F}"/>
               </a:ext>
             </a:extLst>
           </p:cNvPr>
@@ -1396,7 +1396,7 @@
           <a:bodyPr/>
           <a:lstStyle/>
           <a:p>
-            <a:fld id="{B9351C00-4341-43A5-B6FB-8E78D83FDD69}" type="datetimeFigureOut">
+            <a:fld id="{150F13B4-6C79-4086-BA25-D2526B75F5B8}" type="datetimeFigureOut">
               <a:rPr lang="zh-CN" altLang="en-US" smtClean="0"/>
               <a:t>2024/3/10</a:t>
             </a:fld>
@@ -1409,7 +1409,7 @@
           <p:cNvPr id="6" name="页脚占位符 5">
             <a:extLst>
               <a:ext uri="{FF2B5EF4-FFF2-40B4-BE49-F238E27FC236}">
-                <a16:creationId xmlns:a16="http://schemas.microsoft.com/office/drawing/2014/main" id="{03DF6E50-3665-D88C-FFD6-CDE3C0879B12}"/>
+                <a16:creationId xmlns:a16="http://schemas.microsoft.com/office/drawing/2014/main" id="{C4559967-97F1-6E7A-B3B6-96705AA3964E}"/>
               </a:ext>
             </a:extLst>
           </p:cNvPr>
@@ -1434,7 +1434,7 @@
           <p:cNvPr id="7" name="灯片编号占位符 6">
             <a:extLst>
               <a:ext uri="{FF2B5EF4-FFF2-40B4-BE49-F238E27FC236}">
-                <a16:creationId xmlns:a16="http://schemas.microsoft.com/office/drawing/2014/main" id="{9137C377-9F83-AC38-3665-90B8DCD52EF0}"/>
+                <a16:creationId xmlns:a16="http://schemas.microsoft.com/office/drawing/2014/main" id="{5498C3D4-640D-AFE9-2D60-FB05FC43135C}"/>
               </a:ext>
             </a:extLst>
           </p:cNvPr>
@@ -1450,7 +1450,7 @@
           <a:bodyPr/>
           <a:lstStyle/>
           <a:p>
-            <a:fld id="{5EAF7232-B129-426A-B7A3-A918E34D6520}" type="slidenum">
+            <a:fld id="{8963AFB0-3003-4207-BA93-85250630B4F7}" type="slidenum">
               <a:rPr lang="zh-CN" altLang="en-US" smtClean="0"/>
               <a:t>‹#›</a:t>
             </a:fld>
@@ -1461,7 +1461,7 @@
     </p:spTree>
     <p:extLst>
       <p:ext uri="{BB962C8B-B14F-4D97-AF65-F5344CB8AC3E}">
-        <p14:creationId xmlns:p14="http://schemas.microsoft.com/office/powerpoint/2010/main" val="2878022926"/>
+        <p14:creationId xmlns:p14="http://schemas.microsoft.com/office/powerpoint/2010/main" val="120471247"/>
       </p:ext>
     </p:extLst>
   </p:cSld>
@@ -1493,7 +1493,7 @@
           <p:cNvPr id="2" name="标题 1">
             <a:extLst>
               <a:ext uri="{FF2B5EF4-FFF2-40B4-BE49-F238E27FC236}">
-                <a16:creationId xmlns:a16="http://schemas.microsoft.com/office/drawing/2014/main" id="{F134749E-5350-739E-14CC-D2E1FC6C9AB5}"/>
+                <a16:creationId xmlns:a16="http://schemas.microsoft.com/office/drawing/2014/main" id="{9DE9D70F-7B3D-03CE-A96B-70ED85B9312E}"/>
               </a:ext>
             </a:extLst>
           </p:cNvPr>
@@ -1526,7 +1526,7 @@
           <p:cNvPr id="3" name="文本占位符 2">
             <a:extLst>
               <a:ext uri="{FF2B5EF4-FFF2-40B4-BE49-F238E27FC236}">
-                <a16:creationId xmlns:a16="http://schemas.microsoft.com/office/drawing/2014/main" id="{30B7705E-6298-9936-2CE5-1203B4FB2206}"/>
+                <a16:creationId xmlns:a16="http://schemas.microsoft.com/office/drawing/2014/main" id="{169568E2-B435-9395-C601-174612E3E81B}"/>
               </a:ext>
             </a:extLst>
           </p:cNvPr>
@@ -1597,7 +1597,7 @@
           <p:cNvPr id="4" name="内容占位符 3">
             <a:extLst>
               <a:ext uri="{FF2B5EF4-FFF2-40B4-BE49-F238E27FC236}">
-                <a16:creationId xmlns:a16="http://schemas.microsoft.com/office/drawing/2014/main" id="{BAFA9C89-C2F1-59FD-E131-315EEB27EE32}"/>
+                <a16:creationId xmlns:a16="http://schemas.microsoft.com/office/drawing/2014/main" id="{FD1EA90D-E497-1851-B1A2-74B29595F07A}"/>
               </a:ext>
             </a:extLst>
           </p:cNvPr>
@@ -1659,7 +1659,7 @@
           <p:cNvPr id="5" name="文本占位符 4">
             <a:extLst>
               <a:ext uri="{FF2B5EF4-FFF2-40B4-BE49-F238E27FC236}">
-                <a16:creationId xmlns:a16="http://schemas.microsoft.com/office/drawing/2014/main" id="{C800063F-DA19-8259-9350-4324EB3C59D9}"/>
+                <a16:creationId xmlns:a16="http://schemas.microsoft.com/office/drawing/2014/main" id="{DA18A701-49E8-38B2-4C7B-F607E13B4358}"/>
               </a:ext>
             </a:extLst>
           </p:cNvPr>
@@ -1730,7 +1730,7 @@
           <p:cNvPr id="6" name="内容占位符 5">
             <a:extLst>
               <a:ext uri="{FF2B5EF4-FFF2-40B4-BE49-F238E27FC236}">
-                <a16:creationId xmlns:a16="http://schemas.microsoft.com/office/drawing/2014/main" id="{B0667217-63C6-5063-7BD5-727AEAD3B5F2}"/>
+                <a16:creationId xmlns:a16="http://schemas.microsoft.com/office/drawing/2014/main" id="{F5464308-B3F6-D94D-1637-09A41042EB33}"/>
               </a:ext>
             </a:extLst>
           </p:cNvPr>
@@ -1792,7 +1792,7 @@
           <p:cNvPr id="7" name="日期占位符 6">
             <a:extLst>
               <a:ext uri="{FF2B5EF4-FFF2-40B4-BE49-F238E27FC236}">
-                <a16:creationId xmlns:a16="http://schemas.microsoft.com/office/drawing/2014/main" id="{AB4C321C-80DB-41A8-E1FC-781FF59B1A97}"/>
+                <a16:creationId xmlns:a16="http://schemas.microsoft.com/office/drawing/2014/main" id="{2F674708-A6F8-1688-C56E-2E055A1F9091}"/>
               </a:ext>
             </a:extLst>
           </p:cNvPr>
@@ -1808,7 +1808,7 @@
           <a:bodyPr/>
           <a:lstStyle/>
           <a:p>
-            <a:fld id="{B9351C00-4341-43A5-B6FB-8E78D83FDD69}" type="datetimeFigureOut">
+            <a:fld id="{150F13B4-6C79-4086-BA25-D2526B75F5B8}" type="datetimeFigureOut">
               <a:rPr lang="zh-CN" altLang="en-US" smtClean="0"/>
               <a:t>2024/3/10</a:t>
             </a:fld>
@@ -1821,7 +1821,7 @@
           <p:cNvPr id="8" name="页脚占位符 7">
             <a:extLst>
               <a:ext uri="{FF2B5EF4-FFF2-40B4-BE49-F238E27FC236}">
-                <a16:creationId xmlns:a16="http://schemas.microsoft.com/office/drawing/2014/main" id="{2906A707-670A-0616-9154-7B9C5B8727F8}"/>
+                <a16:creationId xmlns:a16="http://schemas.microsoft.com/office/drawing/2014/main" id="{26BC0B8F-33B2-413A-BAC5-4C796282ABE5}"/>
               </a:ext>
             </a:extLst>
           </p:cNvPr>
@@ -1846,7 +1846,7 @@
           <p:cNvPr id="9" name="灯片编号占位符 8">
             <a:extLst>
               <a:ext uri="{FF2B5EF4-FFF2-40B4-BE49-F238E27FC236}">
-                <a16:creationId xmlns:a16="http://schemas.microsoft.com/office/drawing/2014/main" id="{0C68172D-E85F-D345-C037-345C2C3067E6}"/>
+                <a16:creationId xmlns:a16="http://schemas.microsoft.com/office/drawing/2014/main" id="{97BD397F-2760-E695-BDFC-A4A3601991D8}"/>
               </a:ext>
             </a:extLst>
           </p:cNvPr>
@@ -1862,7 +1862,7 @@
           <a:bodyPr/>
           <a:lstStyle/>
           <a:p>
-            <a:fld id="{5EAF7232-B129-426A-B7A3-A918E34D6520}" type="slidenum">
+            <a:fld id="{8963AFB0-3003-4207-BA93-85250630B4F7}" type="slidenum">
               <a:rPr lang="zh-CN" altLang="en-US" smtClean="0"/>
               <a:t>‹#›</a:t>
             </a:fld>
@@ -1873,7 +1873,7 @@
     </p:spTree>
     <p:extLst>
       <p:ext uri="{BB962C8B-B14F-4D97-AF65-F5344CB8AC3E}">
-        <p14:creationId xmlns:p14="http://schemas.microsoft.com/office/powerpoint/2010/main" val="409298474"/>
+        <p14:creationId xmlns:p14="http://schemas.microsoft.com/office/powerpoint/2010/main" val="2150053619"/>
       </p:ext>
     </p:extLst>
   </p:cSld>
@@ -1905,7 +1905,7 @@
           <p:cNvPr id="2" name="标题 1">
             <a:extLst>
               <a:ext uri="{FF2B5EF4-FFF2-40B4-BE49-F238E27FC236}">
-                <a16:creationId xmlns:a16="http://schemas.microsoft.com/office/drawing/2014/main" id="{E67BF41D-AA28-8289-E52D-65559047BD60}"/>
+                <a16:creationId xmlns:a16="http://schemas.microsoft.com/office/drawing/2014/main" id="{11AC15C0-5507-A133-3721-ED0FD5B523A8}"/>
               </a:ext>
             </a:extLst>
           </p:cNvPr>
@@ -1933,7 +1933,7 @@
           <p:cNvPr id="3" name="日期占位符 2">
             <a:extLst>
               <a:ext uri="{FF2B5EF4-FFF2-40B4-BE49-F238E27FC236}">
-                <a16:creationId xmlns:a16="http://schemas.microsoft.com/office/drawing/2014/main" id="{C26DDA4D-AD4C-5C1D-211E-61C135FE5951}"/>
+                <a16:creationId xmlns:a16="http://schemas.microsoft.com/office/drawing/2014/main" id="{21D4E24E-B325-E8D0-BDE8-EBD3B6461F1E}"/>
               </a:ext>
             </a:extLst>
           </p:cNvPr>
@@ -1949,7 +1949,7 @@
           <a:bodyPr/>
           <a:lstStyle/>
           <a:p>
-            <a:fld id="{B9351C00-4341-43A5-B6FB-8E78D83FDD69}" type="datetimeFigureOut">
+            <a:fld id="{150F13B4-6C79-4086-BA25-D2526B75F5B8}" type="datetimeFigureOut">
               <a:rPr lang="zh-CN" altLang="en-US" smtClean="0"/>
               <a:t>2024/3/10</a:t>
             </a:fld>
@@ -1962,7 +1962,7 @@
           <p:cNvPr id="4" name="页脚占位符 3">
             <a:extLst>
               <a:ext uri="{FF2B5EF4-FFF2-40B4-BE49-F238E27FC236}">
-                <a16:creationId xmlns:a16="http://schemas.microsoft.com/office/drawing/2014/main" id="{E77B2D34-9E09-3668-D27F-B0F8752A4172}"/>
+                <a16:creationId xmlns:a16="http://schemas.microsoft.com/office/drawing/2014/main" id="{0E85F081-6020-33C8-B071-5C805802A042}"/>
               </a:ext>
             </a:extLst>
           </p:cNvPr>
@@ -1987,7 +1987,7 @@
           <p:cNvPr id="5" name="灯片编号占位符 4">
             <a:extLst>
               <a:ext uri="{FF2B5EF4-FFF2-40B4-BE49-F238E27FC236}">
-                <a16:creationId xmlns:a16="http://schemas.microsoft.com/office/drawing/2014/main" id="{BB1A61C2-FDD5-8CB9-3AC0-F72D0A1A6BCF}"/>
+                <a16:creationId xmlns:a16="http://schemas.microsoft.com/office/drawing/2014/main" id="{4546CCC8-F9E9-C422-C9C2-84E6888D4133}"/>
               </a:ext>
             </a:extLst>
           </p:cNvPr>
@@ -2003,7 +2003,7 @@
           <a:bodyPr/>
           <a:lstStyle/>
           <a:p>
-            <a:fld id="{5EAF7232-B129-426A-B7A3-A918E34D6520}" type="slidenum">
+            <a:fld id="{8963AFB0-3003-4207-BA93-85250630B4F7}" type="slidenum">
               <a:rPr lang="zh-CN" altLang="en-US" smtClean="0"/>
               <a:t>‹#›</a:t>
             </a:fld>
@@ -2014,7 +2014,7 @@
     </p:spTree>
     <p:extLst>
       <p:ext uri="{BB962C8B-B14F-4D97-AF65-F5344CB8AC3E}">
-        <p14:creationId xmlns:p14="http://schemas.microsoft.com/office/powerpoint/2010/main" val="2711452003"/>
+        <p14:creationId xmlns:p14="http://schemas.microsoft.com/office/powerpoint/2010/main" val="2970949714"/>
       </p:ext>
     </p:extLst>
   </p:cSld>
@@ -2046,7 +2046,7 @@
           <p:cNvPr id="2" name="日期占位符 1">
             <a:extLst>
               <a:ext uri="{FF2B5EF4-FFF2-40B4-BE49-F238E27FC236}">
-                <a16:creationId xmlns:a16="http://schemas.microsoft.com/office/drawing/2014/main" id="{B2F1CDE4-7FAC-C9E9-A285-45C2DD23C1BC}"/>
+                <a16:creationId xmlns:a16="http://schemas.microsoft.com/office/drawing/2014/main" id="{5AD48AF5-6BED-38D2-6C33-17CF9F360225}"/>
               </a:ext>
             </a:extLst>
           </p:cNvPr>
@@ -2062,7 +2062,7 @@
           <a:bodyPr/>
           <a:lstStyle/>
           <a:p>
-            <a:fld id="{B9351C00-4341-43A5-B6FB-8E78D83FDD69}" type="datetimeFigureOut">
+            <a:fld id="{150F13B4-6C79-4086-BA25-D2526B75F5B8}" type="datetimeFigureOut">
               <a:rPr lang="zh-CN" altLang="en-US" smtClean="0"/>
               <a:t>2024/3/10</a:t>
             </a:fld>
@@ -2075,7 +2075,7 @@
           <p:cNvPr id="3" name="页脚占位符 2">
             <a:extLst>
               <a:ext uri="{FF2B5EF4-FFF2-40B4-BE49-F238E27FC236}">
-                <a16:creationId xmlns:a16="http://schemas.microsoft.com/office/drawing/2014/main" id="{21997704-B240-D42A-889D-B4ED85CF3E58}"/>
+                <a16:creationId xmlns:a16="http://schemas.microsoft.com/office/drawing/2014/main" id="{5D0CB0D9-C4FD-6A4A-5EA6-50161AC9B7EF}"/>
               </a:ext>
             </a:extLst>
           </p:cNvPr>
@@ -2100,7 +2100,7 @@
           <p:cNvPr id="4" name="灯片编号占位符 3">
             <a:extLst>
               <a:ext uri="{FF2B5EF4-FFF2-40B4-BE49-F238E27FC236}">
-                <a16:creationId xmlns:a16="http://schemas.microsoft.com/office/drawing/2014/main" id="{1E24EE3F-C9E3-2696-7C35-4EAD7301D5D7}"/>
+                <a16:creationId xmlns:a16="http://schemas.microsoft.com/office/drawing/2014/main" id="{72520CEF-95E4-DB09-934D-369771E3C454}"/>
               </a:ext>
             </a:extLst>
           </p:cNvPr>
@@ -2116,7 +2116,7 @@
           <a:bodyPr/>
           <a:lstStyle/>
           <a:p>
-            <a:fld id="{5EAF7232-B129-426A-B7A3-A918E34D6520}" type="slidenum">
+            <a:fld id="{8963AFB0-3003-4207-BA93-85250630B4F7}" type="slidenum">
               <a:rPr lang="zh-CN" altLang="en-US" smtClean="0"/>
               <a:t>‹#›</a:t>
             </a:fld>
@@ -2127,7 +2127,7 @@
     </p:spTree>
     <p:extLst>
       <p:ext uri="{BB962C8B-B14F-4D97-AF65-F5344CB8AC3E}">
-        <p14:creationId xmlns:p14="http://schemas.microsoft.com/office/powerpoint/2010/main" val="2541549172"/>
+        <p14:creationId xmlns:p14="http://schemas.microsoft.com/office/powerpoint/2010/main" val="3047026521"/>
       </p:ext>
     </p:extLst>
   </p:cSld>
@@ -2159,7 +2159,7 @@
           <p:cNvPr id="2" name="标题 1">
             <a:extLst>
               <a:ext uri="{FF2B5EF4-FFF2-40B4-BE49-F238E27FC236}">
-                <a16:creationId xmlns:a16="http://schemas.microsoft.com/office/drawing/2014/main" id="{43F214A7-D851-8388-B9D5-F121548FD167}"/>
+                <a16:creationId xmlns:a16="http://schemas.microsoft.com/office/drawing/2014/main" id="{C7F40828-0EE4-0391-406E-4E9D5BB2A8C5}"/>
               </a:ext>
             </a:extLst>
           </p:cNvPr>
@@ -2196,7 +2196,7 @@
           <p:cNvPr id="3" name="内容占位符 2">
             <a:extLst>
               <a:ext uri="{FF2B5EF4-FFF2-40B4-BE49-F238E27FC236}">
-                <a16:creationId xmlns:a16="http://schemas.microsoft.com/office/drawing/2014/main" id="{0DFF1612-7144-723D-7A6B-4CFD259F89EE}"/>
+                <a16:creationId xmlns:a16="http://schemas.microsoft.com/office/drawing/2014/main" id="{C26B7961-E85B-7C76-1C1E-5F4271097179}"/>
               </a:ext>
             </a:extLst>
           </p:cNvPr>
@@ -2286,7 +2286,7 @@
           <p:cNvPr id="4" name="文本占位符 3">
             <a:extLst>
               <a:ext uri="{FF2B5EF4-FFF2-40B4-BE49-F238E27FC236}">
-                <a16:creationId xmlns:a16="http://schemas.microsoft.com/office/drawing/2014/main" id="{E04ABC5F-B229-95E2-1F4B-460C2D8225C5}"/>
+                <a16:creationId xmlns:a16="http://schemas.microsoft.com/office/drawing/2014/main" id="{8DB2CF43-F11F-AEED-2A63-C03B6E0DC166}"/>
               </a:ext>
             </a:extLst>
           </p:cNvPr>
@@ -2357,7 +2357,7 @@
           <p:cNvPr id="5" name="日期占位符 4">
             <a:extLst>
               <a:ext uri="{FF2B5EF4-FFF2-40B4-BE49-F238E27FC236}">
-                <a16:creationId xmlns:a16="http://schemas.microsoft.com/office/drawing/2014/main" id="{FBCB5055-1643-7B0A-83F9-645999137B0C}"/>
+                <a16:creationId xmlns:a16="http://schemas.microsoft.com/office/drawing/2014/main" id="{3FA3AD6A-89D9-DBFC-B1F9-099F9D634E36}"/>
               </a:ext>
             </a:extLst>
           </p:cNvPr>
@@ -2373,7 +2373,7 @@
           <a:bodyPr/>
           <a:lstStyle/>
           <a:p>
-            <a:fld id="{B9351C00-4341-43A5-B6FB-8E78D83FDD69}" type="datetimeFigureOut">
+            <a:fld id="{150F13B4-6C79-4086-BA25-D2526B75F5B8}" type="datetimeFigureOut">
               <a:rPr lang="zh-CN" altLang="en-US" smtClean="0"/>
               <a:t>2024/3/10</a:t>
             </a:fld>
@@ -2386,7 +2386,7 @@
           <p:cNvPr id="6" name="页脚占位符 5">
             <a:extLst>
               <a:ext uri="{FF2B5EF4-FFF2-40B4-BE49-F238E27FC236}">
-                <a16:creationId xmlns:a16="http://schemas.microsoft.com/office/drawing/2014/main" id="{6986FCF7-177F-E5ED-A711-6BE02DD31753}"/>
+                <a16:creationId xmlns:a16="http://schemas.microsoft.com/office/drawing/2014/main" id="{2722230F-6A1A-7A5C-A349-154B713301E9}"/>
               </a:ext>
             </a:extLst>
           </p:cNvPr>
@@ -2411,7 +2411,7 @@
           <p:cNvPr id="7" name="灯片编号占位符 6">
             <a:extLst>
               <a:ext uri="{FF2B5EF4-FFF2-40B4-BE49-F238E27FC236}">
-                <a16:creationId xmlns:a16="http://schemas.microsoft.com/office/drawing/2014/main" id="{62ACC95E-A54D-BCE0-D6F8-243217A1B796}"/>
+                <a16:creationId xmlns:a16="http://schemas.microsoft.com/office/drawing/2014/main" id="{1C6A0EC0-F65C-DDF3-0621-3DD425C91835}"/>
               </a:ext>
             </a:extLst>
           </p:cNvPr>
@@ -2427,7 +2427,7 @@
           <a:bodyPr/>
           <a:lstStyle/>
           <a:p>
-            <a:fld id="{5EAF7232-B129-426A-B7A3-A918E34D6520}" type="slidenum">
+            <a:fld id="{8963AFB0-3003-4207-BA93-85250630B4F7}" type="slidenum">
               <a:rPr lang="zh-CN" altLang="en-US" smtClean="0"/>
               <a:t>‹#›</a:t>
             </a:fld>
@@ -2438,7 +2438,7 @@
     </p:spTree>
     <p:extLst>
       <p:ext uri="{BB962C8B-B14F-4D97-AF65-F5344CB8AC3E}">
-        <p14:creationId xmlns:p14="http://schemas.microsoft.com/office/powerpoint/2010/main" val="3485142588"/>
+        <p14:creationId xmlns:p14="http://schemas.microsoft.com/office/powerpoint/2010/main" val="2486923979"/>
       </p:ext>
     </p:extLst>
   </p:cSld>
@@ -2470,7 +2470,7 @@
           <p:cNvPr id="2" name="标题 1">
             <a:extLst>
               <a:ext uri="{FF2B5EF4-FFF2-40B4-BE49-F238E27FC236}">
-                <a16:creationId xmlns:a16="http://schemas.microsoft.com/office/drawing/2014/main" id="{18023DAD-D38F-A44D-C5F0-F7CCB770477B}"/>
+                <a16:creationId xmlns:a16="http://schemas.microsoft.com/office/drawing/2014/main" id="{DAA1A559-F60A-124C-ED69-52575EA2976F}"/>
               </a:ext>
             </a:extLst>
           </p:cNvPr>
@@ -2507,7 +2507,7 @@
           <p:cNvPr id="3" name="图片占位符 2">
             <a:extLst>
               <a:ext uri="{FF2B5EF4-FFF2-40B4-BE49-F238E27FC236}">
-                <a16:creationId xmlns:a16="http://schemas.microsoft.com/office/drawing/2014/main" id="{E2EDA716-2730-A859-BAF6-C6103DCBA1A6}"/>
+                <a16:creationId xmlns:a16="http://schemas.microsoft.com/office/drawing/2014/main" id="{327D5B23-40ED-F971-A697-053D27C1DEE4}"/>
               </a:ext>
             </a:extLst>
           </p:cNvPr>
@@ -2574,7 +2574,7 @@
           <p:cNvPr id="4" name="文本占位符 3">
             <a:extLst>
               <a:ext uri="{FF2B5EF4-FFF2-40B4-BE49-F238E27FC236}">
-                <a16:creationId xmlns:a16="http://schemas.microsoft.com/office/drawing/2014/main" id="{A0518D5F-0DD4-FD34-FD77-38629E90BB08}"/>
+                <a16:creationId xmlns:a16="http://schemas.microsoft.com/office/drawing/2014/main" id="{00E0EB62-BEB7-A72D-73F1-A50C3B07F31F}"/>
               </a:ext>
             </a:extLst>
           </p:cNvPr>
@@ -2645,7 +2645,7 @@
           <p:cNvPr id="5" name="日期占位符 4">
             <a:extLst>
               <a:ext uri="{FF2B5EF4-FFF2-40B4-BE49-F238E27FC236}">
-                <a16:creationId xmlns:a16="http://schemas.microsoft.com/office/drawing/2014/main" id="{C43E5065-FDC5-5BC5-00C0-A73A39314856}"/>
+                <a16:creationId xmlns:a16="http://schemas.microsoft.com/office/drawing/2014/main" id="{93AEE782-2BA1-F434-A68E-0B621DB0E30A}"/>
               </a:ext>
             </a:extLst>
           </p:cNvPr>
@@ -2661,7 +2661,7 @@
           <a:bodyPr/>
           <a:lstStyle/>
           <a:p>
-            <a:fld id="{B9351C00-4341-43A5-B6FB-8E78D83FDD69}" type="datetimeFigureOut">
+            <a:fld id="{150F13B4-6C79-4086-BA25-D2526B75F5B8}" type="datetimeFigureOut">
               <a:rPr lang="zh-CN" altLang="en-US" smtClean="0"/>
               <a:t>2024/3/10</a:t>
             </a:fld>
@@ -2674,7 +2674,7 @@
           <p:cNvPr id="6" name="页脚占位符 5">
             <a:extLst>
               <a:ext uri="{FF2B5EF4-FFF2-40B4-BE49-F238E27FC236}">
-                <a16:creationId xmlns:a16="http://schemas.microsoft.com/office/drawing/2014/main" id="{23BFE6FE-C182-BF94-B275-C0F7AAD75E23}"/>
+                <a16:creationId xmlns:a16="http://schemas.microsoft.com/office/drawing/2014/main" id="{F90456D3-7C8E-18AC-4C0C-427E1007C6B1}"/>
               </a:ext>
             </a:extLst>
           </p:cNvPr>
@@ -2699,7 +2699,7 @@
           <p:cNvPr id="7" name="灯片编号占位符 6">
             <a:extLst>
               <a:ext uri="{FF2B5EF4-FFF2-40B4-BE49-F238E27FC236}">
-                <a16:creationId xmlns:a16="http://schemas.microsoft.com/office/drawing/2014/main" id="{7CF9417E-BDF4-BF59-E6F8-E3B874C53A7F}"/>
+                <a16:creationId xmlns:a16="http://schemas.microsoft.com/office/drawing/2014/main" id="{2C37A030-251F-6EED-053F-6D77D8068387}"/>
               </a:ext>
             </a:extLst>
           </p:cNvPr>
@@ -2715,7 +2715,7 @@
           <a:bodyPr/>
           <a:lstStyle/>
           <a:p>
-            <a:fld id="{5EAF7232-B129-426A-B7A3-A918E34D6520}" type="slidenum">
+            <a:fld id="{8963AFB0-3003-4207-BA93-85250630B4F7}" type="slidenum">
               <a:rPr lang="zh-CN" altLang="en-US" smtClean="0"/>
               <a:t>‹#›</a:t>
             </a:fld>
@@ -2726,7 +2726,7 @@
     </p:spTree>
     <p:extLst>
       <p:ext uri="{BB962C8B-B14F-4D97-AF65-F5344CB8AC3E}">
-        <p14:creationId xmlns:p14="http://schemas.microsoft.com/office/powerpoint/2010/main" val="1830229561"/>
+        <p14:creationId xmlns:p14="http://schemas.microsoft.com/office/powerpoint/2010/main" val="3079317306"/>
       </p:ext>
     </p:extLst>
   </p:cSld>
@@ -2763,7 +2763,7 @@
           <p:cNvPr id="2" name="标题占位符 1">
             <a:extLst>
               <a:ext uri="{FF2B5EF4-FFF2-40B4-BE49-F238E27FC236}">
-                <a16:creationId xmlns:a16="http://schemas.microsoft.com/office/drawing/2014/main" id="{BFB4B70E-C7BD-DEC4-227C-533EF233E84A}"/>
+                <a16:creationId xmlns:a16="http://schemas.microsoft.com/office/drawing/2014/main" id="{BAAF15C0-D4FC-EFDE-8451-92EB2F8F1F00}"/>
               </a:ext>
             </a:extLst>
           </p:cNvPr>
@@ -2801,7 +2801,7 @@
           <p:cNvPr id="3" name="文本占位符 2">
             <a:extLst>
               <a:ext uri="{FF2B5EF4-FFF2-40B4-BE49-F238E27FC236}">
-                <a16:creationId xmlns:a16="http://schemas.microsoft.com/office/drawing/2014/main" id="{E33D77DE-0AA0-5975-13CE-6871BCCFC926}"/>
+                <a16:creationId xmlns:a16="http://schemas.microsoft.com/office/drawing/2014/main" id="{4B8DBB91-D6EB-EA49-4B57-99E9C9A829F8}"/>
               </a:ext>
             </a:extLst>
           </p:cNvPr>
@@ -2868,7 +2868,7 @@
           <p:cNvPr id="4" name="日期占位符 3">
             <a:extLst>
               <a:ext uri="{FF2B5EF4-FFF2-40B4-BE49-F238E27FC236}">
-                <a16:creationId xmlns:a16="http://schemas.microsoft.com/office/drawing/2014/main" id="{AE1C920F-6692-C73E-CB18-158339ABE7A2}"/>
+                <a16:creationId xmlns:a16="http://schemas.microsoft.com/office/drawing/2014/main" id="{25BC2852-AC20-FB0A-34A7-B7AF049276EF}"/>
               </a:ext>
             </a:extLst>
           </p:cNvPr>
@@ -2902,7 +2902,7 @@
             </a:lvl1pPr>
           </a:lstStyle>
           <a:p>
-            <a:fld id="{B9351C00-4341-43A5-B6FB-8E78D83FDD69}" type="datetimeFigureOut">
+            <a:fld id="{150F13B4-6C79-4086-BA25-D2526B75F5B8}" type="datetimeFigureOut">
               <a:rPr lang="zh-CN" altLang="en-US" smtClean="0"/>
               <a:t>2024/3/10</a:t>
             </a:fld>
@@ -2915,7 +2915,7 @@
           <p:cNvPr id="5" name="页脚占位符 4">
             <a:extLst>
               <a:ext uri="{FF2B5EF4-FFF2-40B4-BE49-F238E27FC236}">
-                <a16:creationId xmlns:a16="http://schemas.microsoft.com/office/drawing/2014/main" id="{C0744128-3621-F8D3-E8F0-4DD51F8A61EE}"/>
+                <a16:creationId xmlns:a16="http://schemas.microsoft.com/office/drawing/2014/main" id="{44B2E098-A268-5BD9-50F7-D1CD9B6FA677}"/>
               </a:ext>
             </a:extLst>
           </p:cNvPr>
@@ -2958,7 +2958,7 @@
           <p:cNvPr id="6" name="灯片编号占位符 5">
             <a:extLst>
               <a:ext uri="{FF2B5EF4-FFF2-40B4-BE49-F238E27FC236}">
-                <a16:creationId xmlns:a16="http://schemas.microsoft.com/office/drawing/2014/main" id="{59629C77-64A7-CB6E-31BA-F690A732B33E}"/>
+                <a16:creationId xmlns:a16="http://schemas.microsoft.com/office/drawing/2014/main" id="{613DFF12-D2CC-24EF-6150-86081D3E9387}"/>
               </a:ext>
             </a:extLst>
           </p:cNvPr>
@@ -2992,7 +2992,7 @@
             </a:lvl1pPr>
           </a:lstStyle>
           <a:p>
-            <a:fld id="{5EAF7232-B129-426A-B7A3-A918E34D6520}" type="slidenum">
+            <a:fld id="{8963AFB0-3003-4207-BA93-85250630B4F7}" type="slidenum">
               <a:rPr lang="zh-CN" altLang="en-US" smtClean="0"/>
               <a:t>‹#›</a:t>
             </a:fld>
@@ -3003,7 +3003,7 @@
     </p:spTree>
     <p:extLst>
       <p:ext uri="{BB962C8B-B14F-4D97-AF65-F5344CB8AC3E}">
-        <p14:creationId xmlns:p14="http://schemas.microsoft.com/office/powerpoint/2010/main" val="1055363635"/>
+        <p14:creationId xmlns:p14="http://schemas.microsoft.com/office/powerpoint/2010/main" val="3735082790"/>
       </p:ext>
     </p:extLst>
   </p:cSld>
